--- a/week13/Lab13.pptx
+++ b/week13/Lab13.pptx
@@ -220,7 +220,7 @@
           <a:p>
             <a:fld id="{D1237EF7-A117-46B7-88A8-1B7FB98FF0F2}" type="datetimeFigureOut">
               <a:rPr lang="zh-CN" altLang="en-US" smtClean="0"/>
-              <a:t>2023/5/9</a:t>
+              <a:t>2023/5/10</a:t>
             </a:fld>
             <a:endParaRPr lang="zh-CN" altLang="en-US"/>
           </a:p>
@@ -1266,7 +1266,7 @@
           <a:p>
             <a:fld id="{FC19A4FA-3D9A-4114-B0D5-759CBD56F1AB}" type="datetimeFigureOut">
               <a:rPr lang="zh-CN" altLang="en-US" smtClean="0"/>
-              <a:t>2023/5/9</a:t>
+              <a:t>2023/5/10</a:t>
             </a:fld>
             <a:endParaRPr lang="zh-CN" altLang="en-US"/>
           </a:p>
@@ -1460,7 +1460,7 @@
           <a:p>
             <a:fld id="{FC19A4FA-3D9A-4114-B0D5-759CBD56F1AB}" type="datetimeFigureOut">
               <a:rPr lang="zh-CN" altLang="en-US" smtClean="0"/>
-              <a:t>2023/5/9</a:t>
+              <a:t>2023/5/10</a:t>
             </a:fld>
             <a:endParaRPr lang="zh-CN" altLang="en-US"/>
           </a:p>
@@ -1633,7 +1633,7 @@
           <a:p>
             <a:fld id="{FC19A4FA-3D9A-4114-B0D5-759CBD56F1AB}" type="datetimeFigureOut">
               <a:rPr lang="zh-CN" altLang="en-US" smtClean="0"/>
-              <a:t>2023/5/9</a:t>
+              <a:t>2023/5/10</a:t>
             </a:fld>
             <a:endParaRPr lang="zh-CN" altLang="en-US"/>
           </a:p>
@@ -1817,7 +1817,7 @@
           <a:p>
             <a:fld id="{FC19A4FA-3D9A-4114-B0D5-759CBD56F1AB}" type="datetimeFigureOut">
               <a:rPr lang="zh-CN" altLang="en-US" smtClean="0"/>
-              <a:t>2023/5/9</a:t>
+              <a:t>2023/5/10</a:t>
             </a:fld>
             <a:endParaRPr lang="zh-CN" altLang="en-US"/>
           </a:p>
@@ -2074,7 +2074,7 @@
           <a:p>
             <a:fld id="{FC19A4FA-3D9A-4114-B0D5-759CBD56F1AB}" type="datetimeFigureOut">
               <a:rPr lang="zh-CN" altLang="en-US" smtClean="0"/>
-              <a:t>2023/5/9</a:t>
+              <a:t>2023/5/10</a:t>
             </a:fld>
             <a:endParaRPr lang="zh-CN" altLang="en-US"/>
           </a:p>
@@ -2461,7 +2461,7 @@
           <a:p>
             <a:fld id="{FC19A4FA-3D9A-4114-B0D5-759CBD56F1AB}" type="datetimeFigureOut">
               <a:rPr lang="zh-CN" altLang="en-US" smtClean="0"/>
-              <a:t>2023/5/9</a:t>
+              <a:t>2023/5/10</a:t>
             </a:fld>
             <a:endParaRPr lang="zh-CN" altLang="en-US"/>
           </a:p>
@@ -2729,7 +2729,7 @@
           <a:p>
             <a:fld id="{FC19A4FA-3D9A-4114-B0D5-759CBD56F1AB}" type="datetimeFigureOut">
               <a:rPr lang="zh-CN" altLang="en-US" smtClean="0"/>
-              <a:t>2023/5/9</a:t>
+              <a:t>2023/5/10</a:t>
             </a:fld>
             <a:endParaRPr lang="zh-CN" altLang="en-US"/>
           </a:p>
@@ -2869,7 +2869,7 @@
           <a:p>
             <a:fld id="{FC19A4FA-3D9A-4114-B0D5-759CBD56F1AB}" type="datetimeFigureOut">
               <a:rPr lang="zh-CN" altLang="en-US" smtClean="0"/>
-              <a:t>2023/5/9</a:t>
+              <a:t>2023/5/10</a:t>
             </a:fld>
             <a:endParaRPr lang="zh-CN" altLang="en-US"/>
           </a:p>
@@ -2959,7 +2959,7 @@
           <a:p>
             <a:fld id="{FC19A4FA-3D9A-4114-B0D5-759CBD56F1AB}" type="datetimeFigureOut">
               <a:rPr lang="zh-CN" altLang="en-US" smtClean="0"/>
-              <a:t>2023/5/9</a:t>
+              <a:t>2023/5/10</a:t>
             </a:fld>
             <a:endParaRPr lang="zh-CN" altLang="en-US"/>
           </a:p>
@@ -3229,7 +3229,7 @@
           <a:p>
             <a:fld id="{FC19A4FA-3D9A-4114-B0D5-759CBD56F1AB}" type="datetimeFigureOut">
               <a:rPr lang="zh-CN" altLang="en-US" smtClean="0"/>
-              <a:t>2023/5/9</a:t>
+              <a:t>2023/5/10</a:t>
             </a:fld>
             <a:endParaRPr lang="zh-CN" altLang="en-US"/>
           </a:p>
@@ -3476,7 +3476,7 @@
           <a:p>
             <a:fld id="{FC19A4FA-3D9A-4114-B0D5-759CBD56F1AB}" type="datetimeFigureOut">
               <a:rPr lang="zh-CN" altLang="en-US" smtClean="0"/>
-              <a:t>2023/5/9</a:t>
+              <a:t>2023/5/10</a:t>
             </a:fld>
             <a:endParaRPr lang="zh-CN" altLang="en-US"/>
           </a:p>
@@ -3682,7 +3682,7 @@
           <a:p>
             <a:fld id="{FC19A4FA-3D9A-4114-B0D5-759CBD56F1AB}" type="datetimeFigureOut">
               <a:rPr lang="zh-CN" altLang="en-US" smtClean="0"/>
-              <a:t>2023/5/9</a:t>
+              <a:t>2023/5/10</a:t>
             </a:fld>
             <a:endParaRPr lang="zh-CN" altLang="en-US"/>
           </a:p>
@@ -7647,9 +7647,9 @@
         <p:grpSpPr>
           <a:xfrm>
             <a:off x="3337560" y="699381"/>
-            <a:ext cx="3634170" cy="788829"/>
+            <a:ext cx="3778953" cy="788829"/>
             <a:chOff x="2395978" y="1293099"/>
-            <a:chExt cx="3634170" cy="788829"/>
+            <a:chExt cx="3778953" cy="788829"/>
           </a:xfrm>
         </p:grpSpPr>
         <p:sp>
@@ -7763,7 +7763,7 @@
           <p:spPr>
             <a:xfrm>
               <a:off x="3195782" y="1293099"/>
-              <a:ext cx="2834366" cy="369332"/>
+              <a:ext cx="2979149" cy="369332"/>
             </a:xfrm>
             <a:prstGeom prst="rect">
               <a:avLst/>
@@ -7777,12 +7777,8 @@
             <a:lstStyle/>
             <a:p>
               <a:r>
-                <a:rPr lang="en-US" altLang="zh-CN" dirty="0" err="1"/>
-                <a:t>nontype</a:t>
-              </a:r>
-              <a:r>
                 <a:rPr lang="en-US" altLang="zh-CN" dirty="0"/>
-                <a:t> template argument</a:t>
+                <a:t>non-type template parameter</a:t>
               </a:r>
               <a:endParaRPr lang="zh-CN" altLang="en-US" dirty="0"/>
             </a:p>
@@ -7908,7 +7904,7 @@
         <p:spPr>
           <a:xfrm>
             <a:off x="6096000" y="3574202"/>
-            <a:ext cx="5795241" cy="830997"/>
+            <a:ext cx="5985869" cy="830997"/>
           </a:xfrm>
           <a:prstGeom prst="rect">
             <a:avLst/>
@@ -7922,12 +7918,8 @@
           <a:lstStyle/>
           <a:p>
             <a:r>
-              <a:rPr lang="en-US" altLang="zh-CN" sz="2400" dirty="0" err="1"/>
-              <a:t>Nontype</a:t>
-            </a:r>
-            <a:r>
               <a:rPr lang="en-US" altLang="zh-CN" sz="2400" dirty="0"/>
-              <a:t> template arguments can be </a:t>
+              <a:t>Non-type template parameters can be </a:t>
             </a:r>
             <a:r>
               <a:rPr lang="en-US" altLang="zh-CN" sz="2400" b="0" i="0" dirty="0">
@@ -23542,9 +23534,9 @@
         <p:grpSpPr>
           <a:xfrm>
             <a:off x="2079964" y="4471281"/>
-            <a:ext cx="2834366" cy="782868"/>
+            <a:ext cx="2906501" cy="782868"/>
             <a:chOff x="1412702" y="1281669"/>
-            <a:chExt cx="2834366" cy="782868"/>
+            <a:chExt cx="2906501" cy="782868"/>
           </a:xfrm>
         </p:grpSpPr>
         <p:sp>
@@ -23658,7 +23650,7 @@
           <p:spPr>
             <a:xfrm>
               <a:off x="1412702" y="1281669"/>
-              <a:ext cx="2834366" cy="369332"/>
+              <a:ext cx="2906501" cy="369332"/>
             </a:xfrm>
             <a:prstGeom prst="rect">
               <a:avLst/>
@@ -23677,7 +23669,7 @@
               </a:r>
               <a:r>
                 <a:rPr lang="en-US" altLang="zh-CN" dirty="0"/>
-                <a:t> template argument</a:t>
+                <a:t> template parameter</a:t>
               </a:r>
               <a:endParaRPr lang="zh-CN" altLang="en-US" dirty="0"/>
             </a:p>
